--- a/EFW高負荷対応のTomcat Efw環境構築v0.3.pptx
+++ b/EFW高負荷対応のTomcat Efw環境構築v0.3.pptx
@@ -7807,6 +7807,83 @@
           <a:chExt cx="0" cy="0"/>
         </a:xfrm>
       </p:grpSpPr>
+      <p:sp>
+        <p:nvSpPr>
+          <p:cNvPr id="35" name="タイトル 1"/>
+          <p:cNvSpPr>
+            <a:spLocks noGrp="1"/>
+          </p:cNvSpPr>
+          <p:nvPr>
+            <p:ph type="title" idx="4294967295"/>
+          </p:nvPr>
+        </p:nvSpPr>
+        <p:spPr>
+          <a:xfrm>
+            <a:off x="262800" y="298305"/>
+            <a:ext cx="8198855" cy="561975"/>
+          </a:xfrm>
+          <a:noFill/>
+          <a:ln>
+            <a:noFill/>
+          </a:ln>
+          <a:extLst>
+            <a:ext uri="{909E8E84-426E-40DD-AFC4-6F175D3DCCD1}">
+              <a14:hiddenFill xmlns:a14="http://schemas.microsoft.com/office/drawing/2010/main">
+                <a:solidFill>
+                  <a:srgbClr val="FFFFFF"/>
+                </a:solidFill>
+              </a14:hiddenFill>
+            </a:ext>
+            <a:ext uri="{91240B29-F687-4F45-9708-019B960494DF}">
+              <a14:hiddenLine xmlns:a14="http://schemas.microsoft.com/office/drawing/2010/main" w="9525">
+                <a:solidFill>
+                  <a:srgbClr val="000000"/>
+                </a:solidFill>
+                <a:miter lim="800000"/>
+                <a:headEnd/>
+                <a:tailEnd/>
+              </a14:hiddenLine>
+            </a:ext>
+          </a:extLst>
+        </p:spPr>
+        <p:txBody>
+          <a:bodyPr vert="horz" wrap="square" lIns="91440" tIns="45720" rIns="91440" bIns="45720" numCol="1" anchor="ctr" anchorCtr="0" compatLnSpc="1">
+            <a:prstTxWarp prst="textNoShape">
+              <a:avLst/>
+            </a:prstTxWarp>
+          </a:bodyPr>
+          <a:lstStyle/>
+          <a:p>
+            <a:pPr algn="l" eaLnBrk="1" latinLnBrk="1" hangingPunct="1">
+              <a:lnSpc>
+                <a:spcPct val="110000"/>
+              </a:lnSpc>
+              <a:spcBef>
+                <a:spcPct val="25000"/>
+              </a:spcBef>
+            </a:pPr>
+            <a:r>
+              <a:rPr lang="ja-JP" altLang="en-US" sz="2800" dirty="0" smtClean="0">
+                <a:solidFill>
+                  <a:schemeClr val="tx2"/>
+                </a:solidFill>
+                <a:latin typeface="Meiryo UI" pitchFamily="50" charset="-128"/>
+                <a:ea typeface="Meiryo UI" pitchFamily="50" charset="-128"/>
+                <a:cs typeface="Meiryo UI" pitchFamily="50" charset="-128"/>
+              </a:rPr>
+              <a:t>システム概念図</a:t>
+            </a:r>
+            <a:endParaRPr lang="ja-JP" altLang="en-US" sz="2800" dirty="0">
+              <a:solidFill>
+                <a:schemeClr val="tx2"/>
+              </a:solidFill>
+              <a:latin typeface="Meiryo UI" pitchFamily="50" charset="-128"/>
+              <a:ea typeface="Meiryo UI" pitchFamily="50" charset="-128"/>
+              <a:cs typeface="Meiryo UI" pitchFamily="50" charset="-128"/>
+            </a:endParaRPr>
+          </a:p>
+        </p:txBody>
+      </p:sp>
       <p:pic>
         <p:nvPicPr>
           <p:cNvPr id="1032" name="Picture 8" descr="ãfire wall logoãã®ç»åæ¤ç´¢çµæ"/>
@@ -7848,83 +7925,6 @@
           </a:extLst>
         </p:spPr>
       </p:pic>
-      <p:sp>
-        <p:nvSpPr>
-          <p:cNvPr id="35" name="タイトル 1"/>
-          <p:cNvSpPr>
-            <a:spLocks noGrp="1"/>
-          </p:cNvSpPr>
-          <p:nvPr>
-            <p:ph type="title" idx="4294967295"/>
-          </p:nvPr>
-        </p:nvSpPr>
-        <p:spPr>
-          <a:xfrm>
-            <a:off x="262550" y="431929"/>
-            <a:ext cx="8198855" cy="561975"/>
-          </a:xfrm>
-          <a:noFill/>
-          <a:ln>
-            <a:noFill/>
-          </a:ln>
-          <a:extLst>
-            <a:ext uri="{909E8E84-426E-40DD-AFC4-6F175D3DCCD1}">
-              <a14:hiddenFill xmlns:a14="http://schemas.microsoft.com/office/drawing/2010/main">
-                <a:solidFill>
-                  <a:srgbClr val="FFFFFF"/>
-                </a:solidFill>
-              </a14:hiddenFill>
-            </a:ext>
-            <a:ext uri="{91240B29-F687-4F45-9708-019B960494DF}">
-              <a14:hiddenLine xmlns:a14="http://schemas.microsoft.com/office/drawing/2010/main" w="9525">
-                <a:solidFill>
-                  <a:srgbClr val="000000"/>
-                </a:solidFill>
-                <a:miter lim="800000"/>
-                <a:headEnd/>
-                <a:tailEnd/>
-              </a14:hiddenLine>
-            </a:ext>
-          </a:extLst>
-        </p:spPr>
-        <p:txBody>
-          <a:bodyPr vert="horz" wrap="square" lIns="91440" tIns="45720" rIns="91440" bIns="45720" numCol="1" anchor="ctr" anchorCtr="0" compatLnSpc="1">
-            <a:prstTxWarp prst="textNoShape">
-              <a:avLst/>
-            </a:prstTxWarp>
-          </a:bodyPr>
-          <a:lstStyle/>
-          <a:p>
-            <a:pPr algn="l" eaLnBrk="1" latinLnBrk="1" hangingPunct="1">
-              <a:lnSpc>
-                <a:spcPct val="110000"/>
-              </a:lnSpc>
-              <a:spcBef>
-                <a:spcPct val="25000"/>
-              </a:spcBef>
-            </a:pPr>
-            <a:r>
-              <a:rPr lang="ja-JP" altLang="en-US" sz="2800" dirty="0" smtClean="0">
-                <a:solidFill>
-                  <a:schemeClr val="tx2"/>
-                </a:solidFill>
-                <a:latin typeface="Meiryo UI" pitchFamily="50" charset="-128"/>
-                <a:ea typeface="Meiryo UI" pitchFamily="50" charset="-128"/>
-                <a:cs typeface="Meiryo UI" pitchFamily="50" charset="-128"/>
-              </a:rPr>
-              <a:t>システム概念図</a:t>
-            </a:r>
-            <a:endParaRPr lang="ja-JP" altLang="en-US" sz="2800" dirty="0">
-              <a:solidFill>
-                <a:schemeClr val="tx2"/>
-              </a:solidFill>
-              <a:latin typeface="Meiryo UI" pitchFamily="50" charset="-128"/>
-              <a:ea typeface="Meiryo UI" pitchFamily="50" charset="-128"/>
-              <a:cs typeface="Meiryo UI" pitchFamily="50" charset="-128"/>
-            </a:endParaRPr>
-          </a:p>
-        </p:txBody>
-      </p:sp>
       <p:sp>
         <p:nvSpPr>
           <p:cNvPr id="44" name="正方形/長方形 43"/>
@@ -9671,11 +9671,6 @@
               </a:rPr>
               <a:t>MaxClients:1000</a:t>
             </a:r>
-            <a:endParaRPr lang="en-US" altLang="ja-JP" sz="1050" dirty="0" smtClean="0">
-              <a:latin typeface="Meiryo UI" panose="020B0604030504040204" pitchFamily="50" charset="-128"/>
-              <a:ea typeface="Meiryo UI" panose="020B0604030504040204" pitchFamily="50" charset="-128"/>
-              <a:cs typeface="Meiryo UI" panose="020B0604030504040204" pitchFamily="50" charset="-128"/>
-            </a:endParaRPr>
           </a:p>
           <a:p>
             <a:r>
@@ -9686,11 +9681,6 @@
               </a:rPr>
               <a:t>ServerLimit:1000</a:t>
             </a:r>
-            <a:endParaRPr lang="en-US" altLang="ja-JP" sz="1050" dirty="0" smtClean="0">
-              <a:latin typeface="Meiryo UI" panose="020B0604030504040204" pitchFamily="50" charset="-128"/>
-              <a:ea typeface="Meiryo UI" panose="020B0604030504040204" pitchFamily="50" charset="-128"/>
-              <a:cs typeface="Meiryo UI" panose="020B0604030504040204" pitchFamily="50" charset="-128"/>
-            </a:endParaRPr>
           </a:p>
         </p:txBody>
       </p:sp>
@@ -10563,7 +10553,7 @@
         </p:nvSpPr>
         <p:spPr>
           <a:xfrm>
-            <a:off x="264015" y="433387"/>
+            <a:off x="264015" y="298800"/>
             <a:ext cx="8229600" cy="561975"/>
           </a:xfrm>
           <a:noFill/>
@@ -12570,7 +12560,7 @@
         </p:nvSpPr>
         <p:spPr>
           <a:xfrm>
-            <a:off x="264015" y="433387"/>
+            <a:off x="264015" y="298800"/>
             <a:ext cx="8229600" cy="561975"/>
           </a:xfrm>
           <a:noFill/>
@@ -12682,7 +12672,7 @@
         </p:nvSpPr>
         <p:spPr bwMode="auto">
           <a:xfrm>
-            <a:off x="354545" y="429178"/>
+            <a:off x="262800" y="298800"/>
             <a:ext cx="8207407" cy="524245"/>
           </a:xfrm>
           <a:prstGeom prst="rect">
@@ -13122,7 +13112,7 @@
         </p:nvSpPr>
         <p:spPr bwMode="auto">
           <a:xfrm>
-            <a:off x="353086" y="427331"/>
+            <a:off x="262800" y="298800"/>
             <a:ext cx="8799967" cy="442913"/>
           </a:xfrm>
           <a:prstGeom prst="rect">
@@ -13385,8 +13375,8 @@
         </p:nvSpPr>
         <p:spPr bwMode="auto">
           <a:xfrm>
-            <a:off x="349978" y="427331"/>
-            <a:ext cx="9384853" cy="442913"/>
+            <a:off x="262800" y="298800"/>
+            <a:ext cx="7164543" cy="442913"/>
           </a:xfrm>
           <a:prstGeom prst="rect">
             <a:avLst/>
